--- a/Текст и презентация/VKR_Safina.pptx
+++ b/Текст и презентация/VKR_Safina.pptx
@@ -4443,57 +4443,81 @@
           </a:p>
         </p:txBody>
       </p:sp>
-      <p:sp>
-        <p:nvSpPr>
-          <p:cNvPr id="5" name="Объект 2" hidden="0"/>
-          <p:cNvSpPr>
-            <a:spLocks noGrp="1"/>
-          </p:cNvSpPr>
-          <p:nvPr isPhoto="0" userDrawn="0">
-            <p:ph idx="1" hasCustomPrompt="0"/>
-          </p:nvPr>
-        </p:nvSpPr>
-        <p:spPr bwMode="auto"/>
-        <p:txBody>
-          <a:bodyPr vert="horz" lIns="91440" tIns="45720" rIns="91440" bIns="45720" rtlCol="0" anchor="t"/>
-          <a:lstStyle/>
-          <a:p>
-            <a:pPr marL="0" indent="0">
-              <a:buNone/>
-              <a:defRPr/>
-            </a:pPr>
-            <a:r>
-              <a:rPr lang="ru-RU">
+      <p:pic>
+        <p:nvPicPr>
+          <p:cNvPr id="5" name="" hidden="0"/>
+          <p:cNvPicPr>
+            <a:picLocks noChangeAspect="1"/>
+          </p:cNvPicPr>
+          <p:nvPr isPhoto="0" userDrawn="0"/>
+        </p:nvPicPr>
+        <p:blipFill>
+          <a:blip r:embed="rId2"/>
+          <a:stretch/>
+        </p:blipFill>
+        <p:spPr bwMode="auto">
+          <a:xfrm flipH="0" flipV="0">
+            <a:off x="875190" y="1362906"/>
+            <a:ext cx="10468252" cy="3464326"/>
+          </a:xfrm>
+          <a:prstGeom prst="rect">
+            <a:avLst/>
+          </a:prstGeom>
+        </p:spPr>
+      </p:pic>
+      <p:sp>
+        <p:nvSpPr>
+          <p:cNvPr id="6" name="Заголовок 1" hidden="0"/>
+          <p:cNvSpPr>
+            <a:spLocks noAdjustHandles="0" noChangeArrowheads="0"/>
+          </p:cNvSpPr>
+          <p:nvPr isPhoto="0" userDrawn="0"/>
+        </p:nvSpPr>
+        <p:spPr bwMode="auto">
+          <a:xfrm flipH="0" flipV="0">
+            <a:off x="665519" y="4671050"/>
+            <a:ext cx="10746931" cy="1654288"/>
+          </a:xfrm>
+          <a:prstGeom prst="rect">
+            <a:avLst/>
+          </a:prstGeom>
+        </p:spPr>
+        <p:txBody>
+          <a:bodyPr vert="horz" lIns="91440" tIns="45720" rIns="91440" bIns="45720" rtlCol="0" anchor="ctr"/>
+          <a:lstStyle>
+            <a:lvl1pPr algn="l" defTabSz="914400">
+              <a:lnSpc>
+                <a:spcPct val="90000"/>
+              </a:lnSpc>
+              <a:spcBef>
+                <a:spcPts val="0"/>
+              </a:spcBef>
+              <a:buNone/>
+              <a:defRPr sz="4400">
+                <a:solidFill>
+                  <a:schemeClr val="tx1"/>
+                </a:solidFill>
+                <a:latin typeface="+mj-lt"/>
+                <a:ea typeface="+mj-ea"/>
+                <a:cs typeface="+mj-cs"/>
+              </a:defRPr>
+            </a:lvl1pPr>
+          </a:lstStyle>
+          <a:p>
+            <a:pPr>
+              <a:lnSpc>
+                <a:spcPct val="114999"/>
+              </a:lnSpc>
+              <a:defRPr/>
+            </a:pPr>
+            <a:r>
+              <a:rPr lang="ru-RU" sz="2800">
                 <a:latin typeface="Times New Roman"/>
-                <a:cs typeface="Calibri"/>
+                <a:cs typeface="Times New Roman"/>
               </a:rPr>
-              <a:t>На основе изученных аналогов хорошие результаты может показать модель </a:t>
-            </a:r>
-            <a:r>
-              <a:rPr lang="ru-RU">
-                <a:latin typeface="Times New Roman"/>
-                <a:ea typeface="+mn-lt"/>
-                <a:cs typeface="+mn-lt"/>
-              </a:rPr>
-              <a:t>R</a:t>
-            </a:r>
-            <a:r>
-              <a:rPr lang="en-US">
-                <a:latin typeface="Times New Roman"/>
-                <a:ea typeface="+mn-lt"/>
-                <a:cs typeface="+mn-lt"/>
-              </a:rPr>
-              <a:t>e</a:t>
-            </a:r>
-            <a:r>
-              <a:rPr lang="ru-RU">
-                <a:latin typeface="Times New Roman"/>
-                <a:ea typeface="+mn-lt"/>
-                <a:cs typeface="+mn-lt"/>
-              </a:rPr>
-              <a:t>sNet34. </a:t>
-            </a:r>
-            <a:endParaRPr/>
+              <a:t>Результатом является распределение цветов на картине. Далее этот результат обрабатывается по алгоритму, результатом которого является набор слов, который описывает предположительные эмоции/ассоциации от просмотра картины.</a:t>
+            </a:r>
+            <a:endParaRPr sz="2800"/>
           </a:p>
         </p:txBody>
       </p:sp>
